--- a/Presentatiton_071822_continuing.pptx
+++ b/Presentatiton_071822_continuing.pptx
@@ -3861,16 +3861,15 @@
           </p:cNvPicPr>
           <p:nvPr/>
         </p:nvPicPr>
-        <p:blipFill>
+        <p:blipFill rotWithShape="1">
           <a:blip r:embed="rId3"/>
-          <a:stretch>
-            <a:fillRect/>
-          </a:stretch>
+          <a:srcRect r="19159"/>
+          <a:stretch/>
         </p:blipFill>
         <p:spPr>
           <a:xfrm>
             <a:off x="0" y="4045226"/>
-            <a:ext cx="11311102" cy="1134507"/>
+            <a:ext cx="9144000" cy="1134507"/>
           </a:xfrm>
           <a:prstGeom prst="rect">
             <a:avLst/>
